--- a/Úvodní zpráva.pptx
+++ b/Úvodní zpráva.pptx
@@ -144,7 +144,7 @@
 <file path=ppt/revisionInfo.xml><?xml version="1.0" encoding="utf-8"?>
 <p1510:revInfo xmlns:a="http://schemas.openxmlformats.org/drawingml/2006/main" xmlns:r="http://schemas.openxmlformats.org/officeDocument/2006/relationships" xmlns:p1510="http://schemas.microsoft.com/office/powerpoint/2015/10/main">
   <p1510:revLst>
-    <p1510:client id="{96FC4DB5-CE92-4F08-BC54-E325FB9C36B1}" v="102" dt="2025-10-18T20:07:38.404"/>
+    <p1510:client id="{96FC4DB5-CE92-4F08-BC54-E325FB9C36B1}" v="104" dt="2025-10-18T20:23:44.545"/>
   </p1510:revLst>
 </p1510:revInfo>
 </file>
@@ -154,7 +154,7 @@
   <pc:docChgLst>
     <pc:chgData name="Tomáš Beneda" userId="0de759db-84b9-4cc4-8fd4-b95468348193" providerId="ADAL" clId="{8618A37E-AB9A-490E-9972-4804F9CAB862}"/>
     <pc:docChg chg="undo custSel addSld delSld modSld sldOrd">
-      <pc:chgData name="Tomáš Beneda" userId="0de759db-84b9-4cc4-8fd4-b95468348193" providerId="ADAL" clId="{8618A37E-AB9A-490E-9972-4804F9CAB862}" dt="2025-10-18T20:08:25.801" v="4506" actId="20577"/>
+      <pc:chgData name="Tomáš Beneda" userId="0de759db-84b9-4cc4-8fd4-b95468348193" providerId="ADAL" clId="{8618A37E-AB9A-490E-9972-4804F9CAB862}" dt="2025-10-18T20:23:44.541" v="4585" actId="20577"/>
       <pc:docMkLst>
         <pc:docMk/>
       </pc:docMkLst>
@@ -908,7 +908,7 @@
         </pc:spChg>
       </pc:sldChg>
       <pc:sldChg chg="modSp add mod ord">
-        <pc:chgData name="Tomáš Beneda" userId="0de759db-84b9-4cc4-8fd4-b95468348193" providerId="ADAL" clId="{8618A37E-AB9A-490E-9972-4804F9CAB862}" dt="2025-10-18T20:08:25.801" v="4506" actId="20577"/>
+        <pc:chgData name="Tomáš Beneda" userId="0de759db-84b9-4cc4-8fd4-b95468348193" providerId="ADAL" clId="{8618A37E-AB9A-490E-9972-4804F9CAB862}" dt="2025-10-18T20:23:44.541" v="4585" actId="20577"/>
         <pc:sldMkLst>
           <pc:docMk/>
           <pc:sldMk cId="334752694" sldId="296"/>
@@ -922,7 +922,7 @@
           </ac:spMkLst>
         </pc:spChg>
         <pc:spChg chg="mod">
-          <ac:chgData name="Tomáš Beneda" userId="0de759db-84b9-4cc4-8fd4-b95468348193" providerId="ADAL" clId="{8618A37E-AB9A-490E-9972-4804F9CAB862}" dt="2025-10-18T20:08:25.801" v="4506" actId="20577"/>
+          <ac:chgData name="Tomáš Beneda" userId="0de759db-84b9-4cc4-8fd4-b95468348193" providerId="ADAL" clId="{8618A37E-AB9A-490E-9972-4804F9CAB862}" dt="2025-10-18T20:23:44.541" v="4585" actId="20577"/>
           <ac:spMkLst>
             <pc:docMk/>
             <pc:sldMk cId="334752694" sldId="296"/>
@@ -13763,7 +13763,31 @@
               <a:rPr lang="cs-CZ" dirty="0" err="1"/>
               <a:t>OpenAI</a:t>
             </a:r>
-            <a:endParaRPr lang="cs-CZ"/>
+            <a:endParaRPr lang="cs-CZ" dirty="0"/>
+          </a:p>
+          <a:p>
+            <a:r>
+              <a:rPr lang="cs-CZ" dirty="0"/>
+              <a:t>Veškeré skripty a </a:t>
+            </a:r>
+            <a:r>
+              <a:rPr lang="cs-CZ" dirty="0" err="1"/>
+              <a:t>datasety</a:t>
+            </a:r>
+            <a:r>
+              <a:rPr lang="cs-CZ" dirty="0"/>
+              <a:t> jsou přístupné na </a:t>
+            </a:r>
+            <a:r>
+              <a:rPr lang="cs-CZ" dirty="0">
+                <a:hlinkClick r:id="rId4"/>
+              </a:rPr>
+              <a:t>https://github.com/tomstomstoms2/4IZ503</a:t>
+            </a:r>
+            <a:r>
+              <a:rPr lang="cs-CZ" dirty="0"/>
+              <a:t> </a:t>
+            </a:r>
           </a:p>
           <a:p>
             <a:endParaRPr lang="cs-CZ" dirty="0"/>
